--- a/C-T-SML Project Poster.pptx
+++ b/C-T-SML Project Poster.pptx
@@ -321,7 +321,7 @@
             <a:fld id="{1E44E51C-57D0-6B4C-9C03-A3E12CE0FF75}" type="datetime1">
               <a:rPr lang="en-US" altLang="en-US"/>
               <a:pPr/>
-              <a:t>4/26/2023</a:t>
+              <a:t>4/26/23</a:t>
             </a:fld>
             <a:endParaRPr lang="en-US" altLang="en-US"/>
           </a:p>
@@ -770,7 +770,75 @@
                 <a:spcPct val="0"/>
               </a:spcBef>
             </a:pPr>
-            <a:endParaRPr lang="en-US" altLang="en-US" sz="9600">
+            <a:r>
+              <a:rPr lang="en-US" altLang="ja-JP" sz="9600" dirty="0">
+                <a:latin typeface="Calibri" panose="020F0502020204030204" pitchFamily="34" charset="0"/>
+                <a:cs typeface="Calibri" panose="020F0502020204030204" pitchFamily="34" charset="0"/>
+              </a:rPr>
+              <a:t>“</a:t>
+            </a:r>
+            <a:r>
+              <a:rPr lang="en-US" sz="9600" b="0" i="0" dirty="0">
+                <a:solidFill>
+                  <a:srgbClr val="495057"/>
+                </a:solidFill>
+                <a:effectLst/>
+                <a:latin typeface="system-ui"/>
+              </a:rPr>
+              <a:t>“executive” summary that succinctly describes the most important findings and recommendations in a manner that entices the viewer/reader to engage more with your poster or report?</a:t>
+            </a:r>
+          </a:p>
+          <a:p>
+            <a:pPr marL="457200" indent="-457200" eaLnBrk="1" hangingPunct="1">
+              <a:spcBef>
+                <a:spcPct val="50000"/>
+              </a:spcBef>
+              <a:buFont typeface="Arial" panose="020B0604020202020204" pitchFamily="34" charset="0"/>
+              <a:buChar char="•"/>
+            </a:pPr>
+            <a:endParaRPr lang="en-US" altLang="ja-JP" sz="9600" dirty="0">
+              <a:latin typeface="Calibri" panose="020F0502020204030204" pitchFamily="34" charset="0"/>
+              <a:cs typeface="Calibri" panose="020F0502020204030204" pitchFamily="34" charset="0"/>
+            </a:endParaRPr>
+          </a:p>
+          <a:p>
+            <a:pPr marL="457200" marR="0" lvl="0" indent="-457200" algn="l" defTabSz="301432" rtl="0" eaLnBrk="1" fontAlgn="base" latinLnBrk="0" hangingPunct="1">
+              <a:lnSpc>
+                <a:spcPct val="100000"/>
+              </a:lnSpc>
+              <a:spcBef>
+                <a:spcPct val="50000"/>
+              </a:spcBef>
+              <a:spcAft>
+                <a:spcPct val="0"/>
+              </a:spcAft>
+              <a:buClrTx/>
+              <a:buSzTx/>
+              <a:buFont typeface="Arial" panose="020B0604020202020204" pitchFamily="34" charset="0"/>
+              <a:buChar char="•"/>
+              <a:tabLst/>
+              <a:defRPr/>
+            </a:pPr>
+            <a:r>
+              <a:rPr lang="en-US" sz="9600" b="0" i="0" dirty="0">
+                <a:solidFill>
+                  <a:srgbClr val="495057"/>
+                </a:solidFill>
+                <a:effectLst/>
+                <a:latin typeface="system-ui"/>
+              </a:rPr>
+              <a:t>“Identify the stakeholders in the analysis and its outcomes. Assess any ethical implications of the data (collection methods, sources, structure) or the choices made in the analysis (grouping, selection, etc.) or concerns for implementation.”</a:t>
+            </a:r>
+          </a:p>
+          <a:p>
+            <a:pPr marL="457200" indent="-457200" eaLnBrk="1" hangingPunct="1">
+              <a:spcBef>
+                <a:spcPct val="50000"/>
+              </a:spcBef>
+              <a:buFont typeface="Arial" panose="020B0604020202020204" pitchFamily="34" charset="0"/>
+              <a:buChar char="•"/>
+            </a:pPr>
+            <a:endParaRPr lang="en-US" altLang="en-US" sz="9600" dirty="0">
               <a:solidFill>
                 <a:srgbClr val="000000"/>
               </a:solidFill>
@@ -4513,10 +4581,10 @@
         </p:nvGrpSpPr>
         <p:grpSpPr>
           <a:xfrm>
-            <a:off x="1200872" y="786533"/>
-            <a:ext cx="30332361" cy="20018377"/>
-            <a:chOff x="1173163" y="758824"/>
-            <a:chExt cx="30332361" cy="20018377"/>
+            <a:off x="1199892" y="786531"/>
+            <a:ext cx="30391344" cy="20109027"/>
+            <a:chOff x="1144860" y="758824"/>
+            <a:chExt cx="30391344" cy="20109027"/>
           </a:xfrm>
         </p:grpSpPr>
         <p:sp>
@@ -4721,10 +4789,10 @@
           </p:nvGrpSpPr>
           <p:grpSpPr>
             <a:xfrm>
-              <a:off x="1173163" y="758825"/>
-              <a:ext cx="6858000" cy="20018376"/>
-              <a:chOff x="1173163" y="758825"/>
-              <a:chExt cx="6858000" cy="20018376"/>
+              <a:off x="1144860" y="758825"/>
+              <a:ext cx="6886303" cy="20109026"/>
+              <a:chOff x="1144860" y="758825"/>
+              <a:chExt cx="6886303" cy="20109026"/>
             </a:xfrm>
           </p:grpSpPr>
           <p:sp>
@@ -4743,8 +4811,8 @@
             </p:nvSpPr>
             <p:spPr bwMode="auto">
               <a:xfrm>
-                <a:off x="1173163" y="5289663"/>
-                <a:ext cx="6858000" cy="4491242"/>
+                <a:off x="1144860" y="4989534"/>
+                <a:ext cx="6858000" cy="6169730"/>
               </a:xfrm>
               <a:prstGeom prst="rect">
                 <a:avLst/>
@@ -4924,11 +4992,11 @@
                   <a:buChar char="•"/>
                 </a:pPr>
                 <a:r>
-                  <a:rPr lang="en-US" altLang="ja-JP" dirty="0">
+                  <a:rPr lang="en-US" altLang="ja-JP" sz="2400" dirty="0">
                     <a:latin typeface="Calibri" panose="020F0502020204030204" pitchFamily="34" charset="0"/>
                     <a:cs typeface="Calibri" panose="020F0502020204030204" pitchFamily="34" charset="0"/>
                   </a:rPr>
-                  <a:t>What is the context/scope? </a:t>
+                  <a:t>Automotive industry is one of the major contributors to climate change and most of the environmental impact associated with motor vehicles occurs when they are used.</a:t>
                 </a:r>
               </a:p>
               <a:p>
@@ -4940,11 +5008,11 @@
                   <a:buChar char="•"/>
                 </a:pPr>
                 <a:r>
-                  <a:rPr lang="en-US" altLang="ja-JP" dirty="0">
+                  <a:rPr lang="en-US" altLang="ja-JP" sz="2400" dirty="0">
                     <a:latin typeface="Calibri" panose="020F0502020204030204" pitchFamily="34" charset="0"/>
                     <a:cs typeface="Calibri" panose="020F0502020204030204" pitchFamily="34" charset="0"/>
                   </a:rPr>
-                  <a:t>What is the question of interest?</a:t>
+                  <a:t>What factors affect a vehicle’s real-world carbon dioxide emissions? Can we classify the type of vehicle based on its emissions, fuel efficiency, engine characteristics, and other factors? </a:t>
                 </a:r>
               </a:p>
               <a:p>
@@ -4956,11 +5024,11 @@
                   <a:buChar char="•"/>
                 </a:pPr>
                 <a:r>
-                  <a:rPr lang="en-US" altLang="ja-JP" dirty="0">
+                  <a:rPr lang="en-US" altLang="ja-JP" sz="2400" dirty="0">
                     <a:latin typeface="Calibri" panose="020F0502020204030204" pitchFamily="34" charset="0"/>
                     <a:cs typeface="Calibri" panose="020F0502020204030204" pitchFamily="34" charset="0"/>
                   </a:rPr>
-                  <a:t>Why does it matter/Why should the viewer care?</a:t>
+                  <a:t>Finding a fuel-efficient and low carbon emission vehicle would ease the strain the automotive industry inflict on the planet. </a:t>
                 </a:r>
               </a:p>
               <a:p>
@@ -4970,30 +5038,13 @@
                   </a:spcBef>
                 </a:pPr>
                 <a:r>
-                  <a:rPr lang="en-US" altLang="ja-JP" dirty="0">
+                  <a:rPr lang="en-US" altLang="ja-JP" sz="2400" dirty="0">
                     <a:latin typeface="Calibri" panose="020F0502020204030204" pitchFamily="34" charset="0"/>
                     <a:cs typeface="Calibri" panose="020F0502020204030204" pitchFamily="34" charset="0"/>
                   </a:rPr>
                   <a:t> </a:t>
                 </a:r>
-                <a:r>
-                  <a:rPr lang="en-US" altLang="ja-JP" sz="1800" dirty="0">
-                    <a:latin typeface="Calibri" panose="020F0502020204030204" pitchFamily="34" charset="0"/>
-                    <a:cs typeface="Calibri" panose="020F0502020204030204" pitchFamily="34" charset="0"/>
-                  </a:rPr>
-                  <a:t>“</a:t>
-                </a:r>
-                <a:r>
-                  <a:rPr lang="en-US" sz="1800" b="0" i="0" dirty="0">
-                    <a:solidFill>
-                      <a:srgbClr val="495057"/>
-                    </a:solidFill>
-                    <a:effectLst/>
-                    <a:latin typeface="system-ui"/>
-                  </a:rPr>
-                  <a:t>“executive” summary that succinctly describes the most important findings and recommendations in a manner that entices the viewer/reader to engage more with your poster or report?</a:t>
-                </a:r>
-                <a:endParaRPr lang="en-US" altLang="en-US" dirty="0">
+                <a:endParaRPr lang="en-US" altLang="en-US" sz="2400" dirty="0">
                   <a:latin typeface="Calibri" panose="020F0502020204030204" pitchFamily="34" charset="0"/>
                   <a:cs typeface="Calibri" panose="020F0502020204030204" pitchFamily="34" charset="0"/>
                 </a:endParaRPr>
@@ -5016,8 +5067,8 @@
             </p:nvSpPr>
             <p:spPr bwMode="auto">
               <a:xfrm>
-                <a:off x="1173163" y="10390505"/>
-                <a:ext cx="6858000" cy="5548617"/>
+                <a:off x="1173163" y="11482991"/>
+                <a:ext cx="6858000" cy="5819313"/>
               </a:xfrm>
               <a:prstGeom prst="rect">
                 <a:avLst/>
@@ -5210,11 +5261,11 @@
                   <a:buChar char="•"/>
                 </a:pPr>
                 <a:r>
-                  <a:rPr lang="en-US" altLang="en-US" dirty="0">
+                  <a:rPr lang="en-US" altLang="en-US" sz="2800" dirty="0">
                     <a:latin typeface="Calibri" panose="020F0502020204030204" pitchFamily="34" charset="0"/>
                     <a:cs typeface="Calibri" panose="020F0502020204030204" pitchFamily="34" charset="0"/>
                   </a:rPr>
-                  <a:t>For classification, we tried ________</a:t>
+                  <a:t>For classification to predict emission levels and vehicle type, we tested KNN and Support Vector Machine.</a:t>
                 </a:r>
               </a:p>
               <a:p>
@@ -5225,10 +5276,13 @@
                   <a:buFont typeface="Arial" panose="020B0604020202020204" pitchFamily="34" charset="0"/>
                   <a:buChar char="•"/>
                 </a:pPr>
-                <a:endParaRPr lang="en-US" altLang="en-US" sz="3086" dirty="0">
-                  <a:latin typeface="Calibri" panose="020F0502020204030204" pitchFamily="34" charset="0"/>
-                  <a:cs typeface="Calibri" panose="020F0502020204030204" pitchFamily="34" charset="0"/>
-                </a:endParaRPr>
+                <a:r>
+                  <a:rPr lang="en-US" altLang="en-US" sz="2800" dirty="0">
+                    <a:latin typeface="Calibri" panose="020F0502020204030204" pitchFamily="34" charset="0"/>
+                    <a:cs typeface="Calibri" panose="020F0502020204030204" pitchFamily="34" charset="0"/>
+                  </a:rPr>
+                  <a:t>For regression to predict emissions, we tested bootstrapping, Lasso regression, and partial least squares. </a:t>
+                </a:r>
               </a:p>
               <a:p>
                 <a:pPr marL="457200" indent="-457200" eaLnBrk="1" hangingPunct="1">
@@ -5239,11 +5293,11 @@
                   <a:buChar char="•"/>
                 </a:pPr>
                 <a:r>
-                  <a:rPr lang="en-US" altLang="en-US" sz="3086" dirty="0">
+                  <a:rPr lang="en-US" altLang="en-US" sz="2800" dirty="0">
                     <a:latin typeface="Calibri" panose="020F0502020204030204" pitchFamily="34" charset="0"/>
                     <a:cs typeface="Calibri" panose="020F0502020204030204" pitchFamily="34" charset="0"/>
                   </a:rPr>
-                  <a:t>For regression to predict emissions, we tested bootstrapping, Lasso regression, and partial least squares. We trained these models with 75% of the data and tested with 25%.</a:t>
+                  <a:t>We trained these models with 75% of the data and tested with 25%.</a:t>
                 </a:r>
               </a:p>
             </p:txBody>
@@ -5264,7 +5318,7 @@
             </p:nvSpPr>
             <p:spPr bwMode="auto">
               <a:xfrm>
-                <a:off x="1173163" y="4264151"/>
+                <a:off x="1173163" y="4194363"/>
                 <a:ext cx="6801394" cy="787030"/>
               </a:xfrm>
               <a:prstGeom prst="rect">
@@ -5458,14 +5512,14 @@
               </a:ln>
               <a:extLst>
                 <a:ext uri="{909E8E84-426E-40dd-AFC4-6F175D3DCCD1}">
-                  <a14:hiddenFill xmlns:a14="http://schemas.microsoft.com/office/drawing/2010/main" xmlns="">
+                  <a14:hiddenFill xmlns="" xmlns:a14="http://schemas.microsoft.com/office/drawing/2010/main">
                     <a:solidFill>
                       <a:srgbClr val="FFFFFF"/>
                     </a:solidFill>
                   </a14:hiddenFill>
                 </a:ext>
                 <a:ext uri="{91240B29-F687-4f45-9708-019B960494DF}">
-                  <a14:hiddenLine xmlns:a14="http://schemas.microsoft.com/office/drawing/2010/main" xmlns="" w="9525">
+                  <a14:hiddenLine xmlns="" xmlns:a14="http://schemas.microsoft.com/office/drawing/2010/main" w="9525">
                     <a:solidFill>
                       <a:srgbClr val="000000"/>
                     </a:solidFill>
@@ -5499,7 +5553,7 @@
                     <a:ea typeface="ＭＳ Ｐゴシック" charset="0"/>
                     <a:cs typeface="Calibri" panose="020F0502020204030204" pitchFamily="34" charset="0"/>
                   </a:rPr>
-                  <a:t>Predicting Automobile Emissions and Regulatory Class with Machine Learning</a:t>
+                  <a:t>Predicting Automobile Emissions, Vehicle Type, and Regulatory Class with Machine Learning</a:t>
                 </a:r>
               </a:p>
             </p:txBody>
@@ -5520,8 +5574,8 @@
             </p:nvSpPr>
             <p:spPr bwMode="auto">
               <a:xfrm>
-                <a:off x="1173163" y="16548723"/>
-                <a:ext cx="6858000" cy="4228478"/>
+                <a:off x="1173163" y="17626031"/>
+                <a:ext cx="6858000" cy="3241820"/>
               </a:xfrm>
               <a:prstGeom prst="rect">
                 <a:avLst/>
@@ -5676,7 +5730,7 @@
                   <a:buChar char="•"/>
                 </a:pPr>
                 <a:r>
-                  <a:rPr lang="en-US" altLang="en-US" sz="2800" dirty="0">
+                  <a:rPr lang="en-US" altLang="en-US" sz="2400" dirty="0">
                     <a:latin typeface="Calibri" panose="020F0502020204030204" pitchFamily="34" charset="0"/>
                     <a:cs typeface="Calibri" panose="020F0502020204030204" pitchFamily="34" charset="0"/>
                   </a:rPr>
@@ -5692,7 +5746,7 @@
                   <a:buChar char="•"/>
                 </a:pPr>
                 <a:r>
-                  <a:rPr lang="en-US" altLang="en-US" sz="2800" dirty="0">
+                  <a:rPr lang="en-US" altLang="en-US" sz="2400" dirty="0">
                     <a:latin typeface="Calibri" panose="020F0502020204030204" pitchFamily="34" charset="0"/>
                     <a:cs typeface="Calibri" panose="020F0502020204030204" pitchFamily="34" charset="0"/>
                   </a:rPr>
@@ -5708,11 +5762,18 @@
                   <a:buChar char="•"/>
                 </a:pPr>
                 <a:r>
+                  <a:rPr lang="en-US" altLang="en-US" sz="2400" dirty="0">
+                    <a:latin typeface="Calibri" panose="020F0502020204030204" pitchFamily="34" charset="0"/>
+                    <a:cs typeface="Calibri" panose="020F0502020204030204" pitchFamily="34" charset="0"/>
+                  </a:rPr>
+                  <a:t>This is aggregated data, so we only know average emissions for a manufacturer’s car by regulatory class</a:t>
+                </a:r>
+                <a:r>
                   <a:rPr lang="en-US" altLang="en-US" sz="2800" dirty="0">
                     <a:latin typeface="Calibri" panose="020F0502020204030204" pitchFamily="34" charset="0"/>
                     <a:cs typeface="Calibri" panose="020F0502020204030204" pitchFamily="34" charset="0"/>
                   </a:rPr>
-                  <a:t>This is aggregated data, so we only know average emissions for a manufacturer’s car by regulatory class.</a:t>
+                  <a:t>.</a:t>
                 </a:r>
               </a:p>
             </p:txBody>
@@ -5732,10 +5793,10 @@
           </p:nvGrpSpPr>
           <p:grpSpPr>
             <a:xfrm>
-              <a:off x="24917399" y="758824"/>
-              <a:ext cx="6588125" cy="20018377"/>
-              <a:chOff x="24917399" y="758824"/>
-              <a:chExt cx="6588125" cy="20018377"/>
+              <a:off x="24915047" y="758824"/>
+              <a:ext cx="6621157" cy="20018377"/>
+              <a:chOff x="24915047" y="758824"/>
+              <a:chExt cx="6621157" cy="20018377"/>
             </a:xfrm>
           </p:grpSpPr>
           <p:sp>
@@ -5755,7 +5816,7 @@
             <p:spPr bwMode="auto">
               <a:xfrm>
                 <a:off x="24917399" y="758824"/>
-                <a:ext cx="6585773" cy="9032875"/>
+                <a:ext cx="6585773" cy="9878237"/>
               </a:xfrm>
               <a:prstGeom prst="rect">
                 <a:avLst/>
@@ -5935,6 +5996,9 @@
                 </a:pPr>
                 <a:r>
                   <a:rPr lang="en-US" altLang="ja-JP" dirty="0">
+                    <a:highlight>
+                      <a:srgbClr val="FFFF00"/>
+                    </a:highlight>
                     <a:latin typeface="Calibri" panose="020F0502020204030204" pitchFamily="34" charset="0"/>
                     <a:cs typeface="Calibri" panose="020F0502020204030204" pitchFamily="34" charset="0"/>
                   </a:rPr>
@@ -5950,11 +6014,25 @@
                   <a:buChar char="•"/>
                 </a:pPr>
                 <a:r>
-                  <a:rPr lang="en-US" altLang="ja-JP" dirty="0">
+                  <a:rPr lang="en-US" altLang="ja-JP" sz="2400" dirty="0">
                     <a:latin typeface="Calibri" panose="020F0502020204030204" pitchFamily="34" charset="0"/>
                     <a:cs typeface="Calibri" panose="020F0502020204030204" pitchFamily="34" charset="0"/>
                   </a:rPr>
-                  <a:t>Evidence for the results</a:t>
+                  <a:t>PLSR results suggest a model using 56 principal components; meanwhile, Lasso suggest a model with 73 predictors using </a:t>
+                </a:r>
+                <a:r>
+                  <a:rPr lang="en-US" altLang="ja-JP" sz="2400" dirty="0" err="1">
+                    <a:latin typeface="Calibri" panose="020F0502020204030204" pitchFamily="34" charset="0"/>
+                    <a:cs typeface="Calibri" panose="020F0502020204030204" pitchFamily="34" charset="0"/>
+                  </a:rPr>
+                  <a:t>lambda.se</a:t>
+                </a:r>
+                <a:r>
+                  <a:rPr lang="en-US" altLang="ja-JP" sz="2400" dirty="0">
+                    <a:latin typeface="Calibri" panose="020F0502020204030204" pitchFamily="34" charset="0"/>
+                    <a:cs typeface="Calibri" panose="020F0502020204030204" pitchFamily="34" charset="0"/>
+                  </a:rPr>
+                  <a:t>. </a:t>
                 </a:r>
               </a:p>
               <a:p>
@@ -5966,11 +6044,11 @@
                   <a:buChar char="•"/>
                 </a:pPr>
                 <a:r>
-                  <a:rPr lang="en-US" altLang="ja-JP" dirty="0">
+                  <a:rPr lang="en-US" altLang="ja-JP" sz="2400" dirty="0">
                     <a:latin typeface="Calibri" panose="020F0502020204030204" pitchFamily="34" charset="0"/>
                     <a:cs typeface="Calibri" panose="020F0502020204030204" pitchFamily="34" charset="0"/>
                   </a:rPr>
-                  <a:t>Potential Next Steps</a:t>
+                  <a:t>Potential Next Steps: Incorporate other relevant variables such as cost of car and compatible fuels.</a:t>
                 </a:r>
               </a:p>
               <a:p>
@@ -5981,7 +6059,39 @@
                   <a:buFont typeface="Arial" panose="020B0604020202020204" pitchFamily="34" charset="0"/>
                   <a:buChar char="•"/>
                 </a:pPr>
-                <a:endParaRPr lang="en-US" altLang="ja-JP" dirty="0">
+                <a:r>
+                  <a:rPr lang="en-US" altLang="ja-JP" sz="2400" dirty="0">
+                    <a:latin typeface="Calibri" panose="020F0502020204030204" pitchFamily="34" charset="0"/>
+                    <a:cs typeface="Calibri" panose="020F0502020204030204" pitchFamily="34" charset="0"/>
+                  </a:rPr>
+                  <a:t>Not enough data within the different levels for categorical variables; future attempts to apply this data to LDA/QDA  might be unsuccessful. </a:t>
+                </a:r>
+              </a:p>
+              <a:p>
+                <a:pPr marL="457200" indent="-457200" eaLnBrk="1" hangingPunct="1">
+                  <a:spcBef>
+                    <a:spcPct val="50000"/>
+                  </a:spcBef>
+                  <a:buFont typeface="Arial" panose="020B0604020202020204" pitchFamily="34" charset="0"/>
+                  <a:buChar char="•"/>
+                </a:pPr>
+                <a:r>
+                  <a:rPr lang="en-US" altLang="en-US" sz="2400" dirty="0">
+                    <a:latin typeface="Calibri" panose="020F0502020204030204" pitchFamily="34" charset="0"/>
+                    <a:cs typeface="Calibri" panose="020F0502020204030204" pitchFamily="34" charset="0"/>
+                  </a:rPr>
+                  <a:t>Data on emission and fuel economy variables might be inaccurate, given that these values are collected from compliance tests in which manufacturers can cheat (i.e. VW in 2015).</a:t>
+                </a:r>
+              </a:p>
+              <a:p>
+                <a:pPr marL="457200" indent="-457200" eaLnBrk="1" hangingPunct="1">
+                  <a:spcBef>
+                    <a:spcPct val="50000"/>
+                  </a:spcBef>
+                  <a:buFont typeface="Arial" panose="020B0604020202020204" pitchFamily="34" charset="0"/>
+                  <a:buChar char="•"/>
+                </a:pPr>
+                <a:endParaRPr lang="en-US" altLang="ja-JP" sz="2400" dirty="0">
                   <a:latin typeface="Calibri" panose="020F0502020204030204" pitchFamily="34" charset="0"/>
                   <a:cs typeface="Calibri" panose="020F0502020204030204" pitchFamily="34" charset="0"/>
                 </a:endParaRPr>
@@ -5994,62 +6104,16 @@
                   <a:buFont typeface="Arial" panose="020B0604020202020204" pitchFamily="34" charset="0"/>
                   <a:buChar char="•"/>
                 </a:pPr>
-                <a:r>
-                  <a:rPr lang="en-US" sz="2000" b="0" i="0" dirty="0">
-                    <a:solidFill>
-                      <a:srgbClr val="495057"/>
-                    </a:solidFill>
-                    <a:effectLst/>
-                    <a:latin typeface="system-ui"/>
-                  </a:rPr>
-                  <a:t>“Identify the stakeholders in the analysis and its outcomes. Assess any ethical implications of the data (collection methods, sources, structure) or the choices made in the analysis (grouping, selection, etc.) or concerns for implementation.”</a:t>
-                </a:r>
+                <a:endParaRPr lang="en-US" altLang="ja-JP" sz="2400" dirty="0">
+                  <a:latin typeface="Calibri" panose="020F0502020204030204" pitchFamily="34" charset="0"/>
+                  <a:cs typeface="Calibri" panose="020F0502020204030204" pitchFamily="34" charset="0"/>
+                </a:endParaRPr>
               </a:p>
               <a:p>
-                <a:pPr marL="457200" indent="-457200" eaLnBrk="1" hangingPunct="1">
+                <a:pPr eaLnBrk="1" hangingPunct="1">
                   <a:spcBef>
                     <a:spcPct val="50000"/>
                   </a:spcBef>
-                  <a:buFont typeface="Arial" panose="020B0604020202020204" pitchFamily="34" charset="0"/>
-                  <a:buChar char="•"/>
-                </a:pPr>
-                <a:r>
-                  <a:rPr lang="en-US" sz="2000" b="0" i="0" dirty="0">
-                    <a:solidFill>
-                      <a:srgbClr val="495057"/>
-                    </a:solidFill>
-                    <a:effectLst/>
-                    <a:latin typeface="system-ui"/>
-                  </a:rPr>
-                  <a:t>“Summarize Findings”</a:t>
-                </a:r>
-              </a:p>
-              <a:p>
-                <a:pPr marL="457200" indent="-457200" eaLnBrk="1" hangingPunct="1">
-                  <a:spcBef>
-                    <a:spcPct val="50000"/>
-                  </a:spcBef>
-                  <a:buFont typeface="Arial" panose="020B0604020202020204" pitchFamily="34" charset="0"/>
-                  <a:buChar char="•"/>
-                </a:pPr>
-                <a:r>
-                  <a:rPr lang="en-US" sz="2000" b="0" i="0" dirty="0">
-                    <a:solidFill>
-                      <a:srgbClr val="495057"/>
-                    </a:solidFill>
-                    <a:effectLst/>
-                    <a:latin typeface="system-ui"/>
-                  </a:rPr>
-                  <a:t>“Offer recommendations for implementation or additional work”</a:t>
-                </a:r>
-              </a:p>
-              <a:p>
-                <a:pPr marL="457200" indent="-457200" eaLnBrk="1" hangingPunct="1">
-                  <a:spcBef>
-                    <a:spcPct val="50000"/>
-                  </a:spcBef>
-                  <a:buFont typeface="Arial" panose="020B0604020202020204" pitchFamily="34" charset="0"/>
-                  <a:buChar char="•"/>
                 </a:pPr>
                 <a:endParaRPr lang="en-US" altLang="ja-JP" sz="2000" dirty="0">
                   <a:latin typeface="Calibri" panose="020F0502020204030204" pitchFamily="34" charset="0"/>
@@ -6074,8 +6138,8 @@
             </p:nvSpPr>
             <p:spPr bwMode="auto">
               <a:xfrm>
-                <a:off x="24917399" y="15011400"/>
-                <a:ext cx="6588125" cy="2438400"/>
+                <a:off x="24915047" y="16662848"/>
+                <a:ext cx="6588125" cy="1278912"/>
               </a:xfrm>
               <a:prstGeom prst="rect">
                 <a:avLst/>
@@ -6276,8 +6340,8 @@
             </p:nvSpPr>
             <p:spPr bwMode="auto">
               <a:xfrm>
-                <a:off x="24917399" y="10401301"/>
-                <a:ext cx="6588125" cy="4118264"/>
+                <a:off x="24948079" y="11227428"/>
+                <a:ext cx="6588125" cy="5199531"/>
               </a:xfrm>
               <a:prstGeom prst="rect">
                 <a:avLst/>
@@ -6444,7 +6508,7 @@
                     <a:latin typeface="Calibri" panose="020F0502020204030204" pitchFamily="34" charset="0"/>
                     <a:cs typeface="Calibri" panose="020F0502020204030204" pitchFamily="34" charset="0"/>
                   </a:rPr>
-                  <a:t>Assumptions/Limitations/ or Secondary Results</a:t>
+                  <a:t>Assumptions/Limitations</a:t>
                 </a:r>
                 <a:endParaRPr lang="en-US" altLang="en-US" dirty="0">
                   <a:latin typeface="Calibri" panose="020F0502020204030204" pitchFamily="34" charset="0"/>
@@ -6460,11 +6524,11 @@
                   <a:buChar char="•"/>
                 </a:pPr>
                 <a:r>
-                  <a:rPr lang="en-US" altLang="en-US" dirty="0">
+                  <a:rPr lang="en-US" altLang="en-US" sz="2200" dirty="0">
                     <a:latin typeface="Calibri" panose="020F0502020204030204" pitchFamily="34" charset="0"/>
                     <a:cs typeface="Calibri" panose="020F0502020204030204" pitchFamily="34" charset="0"/>
                   </a:rPr>
-                  <a:t>What  constrained the approach</a:t>
+                  <a:t>Data for potential predictor variables for classification was quite small, so we had to create our own categorical response variables. </a:t>
                 </a:r>
               </a:p>
               <a:p>
@@ -6476,11 +6540,11 @@
                   <a:buChar char="•"/>
                 </a:pPr>
                 <a:r>
-                  <a:rPr lang="en-US" altLang="en-US" dirty="0">
+                  <a:rPr lang="en-US" altLang="en-US" sz="2200" dirty="0">
                     <a:latin typeface="Calibri" panose="020F0502020204030204" pitchFamily="34" charset="0"/>
                     <a:cs typeface="Calibri" panose="020F0502020204030204" pitchFamily="34" charset="0"/>
                   </a:rPr>
-                  <a:t>What assumptions need to be checked or were checked</a:t>
+                  <a:t>Major methodological changes were propagated backwards through the historical database in order to maintain the integrity of long-term trends.</a:t>
                 </a:r>
               </a:p>
               <a:p>
@@ -6492,20 +6556,18 @@
                   <a:buChar char="•"/>
                 </a:pPr>
                 <a:r>
-                  <a:rPr lang="en-US" altLang="en-US" dirty="0">
+                  <a:rPr lang="en-US" altLang="en-US" sz="2200" dirty="0">
                     <a:latin typeface="Calibri" panose="020F0502020204030204" pitchFamily="34" charset="0"/>
                     <a:cs typeface="Calibri" panose="020F0502020204030204" pitchFamily="34" charset="0"/>
                   </a:rPr>
-                  <a:t>Ethical Considerations</a:t>
+                  <a:t>Multicollinearity is an assumption that must be checked for future works and in this case was checked.</a:t>
                 </a:r>
               </a:p>
               <a:p>
-                <a:pPr marL="457200" indent="-457200" eaLnBrk="1" hangingPunct="1">
+                <a:pPr eaLnBrk="1" hangingPunct="1">
                   <a:spcBef>
                     <a:spcPct val="10000"/>
                   </a:spcBef>
-                  <a:buFont typeface="Arial" panose="020B0604020202020204" pitchFamily="34" charset="0"/>
-                  <a:buChar char="•"/>
                 </a:pPr>
                 <a:endParaRPr lang="en-US" altLang="en-US" dirty="0">
                   <a:latin typeface="Calibri" panose="020F0502020204030204" pitchFamily="34" charset="0"/>
@@ -6530,8 +6592,8 @@
             </p:nvSpPr>
             <p:spPr bwMode="auto">
               <a:xfrm>
-                <a:off x="24917399" y="17945101"/>
-                <a:ext cx="6585773" cy="2832100"/>
+                <a:off x="24917399" y="18338801"/>
+                <a:ext cx="6585773" cy="2438400"/>
               </a:xfrm>
               <a:prstGeom prst="rect">
                 <a:avLst/>
@@ -6727,14 +6789,14 @@
           <p:nvPr>
             <p:extLst>
               <p:ext uri="{D42A27DB-BD31-4B8C-83A1-F6EECF244321}">
-                <p14:modId xmlns:p14="http://schemas.microsoft.com/office/powerpoint/2010/main" val="1684782317"/>
+                <p14:modId xmlns:p14="http://schemas.microsoft.com/office/powerpoint/2010/main" val="1407248206"/>
               </p:ext>
             </p:extLst>
           </p:nvPr>
         </p:nvGraphicFramePr>
         <p:xfrm>
-          <a:off x="8961120" y="786532"/>
-          <a:ext cx="15110460" cy="20054168"/>
+          <a:off x="8961120" y="786531"/>
+          <a:ext cx="15110460" cy="21008927"/>
         </p:xfrm>
         <a:graphic>
           <a:graphicData uri="http://schemas.openxmlformats.org/drawingml/2006/table">
@@ -6758,7 +6820,7 @@
                   </a:extLst>
                 </a:gridCol>
               </a:tblGrid>
-              <a:tr h="5023294">
+              <a:tr h="2836385">
                 <a:tc>
                   <a:txBody>
                     <a:bodyPr/>
@@ -6771,16 +6833,9 @@
                       </a:endParaRPr>
                     </a:p>
                     <a:p>
-                      <a:endParaRPr lang="en-US" sz="6000" dirty="0">
-                        <a:latin typeface="Calibri" panose="020F0502020204030204" pitchFamily="34" charset="0"/>
-                        <a:ea typeface="Calibri" panose="020F0502020204030204" pitchFamily="34" charset="0"/>
-                        <a:cs typeface="Calibri" panose="020F0502020204030204" pitchFamily="34" charset="0"/>
-                      </a:endParaRPr>
-                    </a:p>
-                    <a:p>
                       <a:pPr algn="ctr"/>
                       <a:r>
-                        <a:rPr lang="en-US" sz="6000" dirty="0">
+                        <a:rPr lang="en-US" sz="6000" i="1" dirty="0">
                           <a:latin typeface="Calibri" panose="020F0502020204030204" pitchFamily="34" charset="0"/>
                           <a:ea typeface="Calibri" panose="020F0502020204030204" pitchFamily="34" charset="0"/>
                           <a:cs typeface="Calibri" panose="020F0502020204030204" pitchFamily="34" charset="0"/>
@@ -6811,11 +6866,33 @@
                   </a:ext>
                 </a:extLst>
               </a:tr>
-              <a:tr h="4346545">
+              <a:tr h="6102975">
                 <a:tc>
                   <a:txBody>
                     <a:bodyPr/>
                     <a:lstStyle/>
+                    <a:p>
+                      <a:pPr algn="ctr"/>
+                      <a:r>
+                        <a:rPr lang="en-US" sz="4000" b="1" dirty="0">
+                          <a:solidFill>
+                            <a:schemeClr val="bg1"/>
+                          </a:solidFill>
+                          <a:latin typeface="Calibri" panose="020F0502020204030204" pitchFamily="34" charset="0"/>
+                          <a:ea typeface="Calibri" panose="020F0502020204030204" pitchFamily="34" charset="0"/>
+                          <a:cs typeface="Calibri" panose="020F0502020204030204" pitchFamily="34" charset="0"/>
+                        </a:rPr>
+                        <a:t>KNN</a:t>
+                      </a:r>
+                      <a:endParaRPr lang="en-US" sz="4000" b="0" dirty="0">
+                        <a:solidFill>
+                          <a:schemeClr val="bg1"/>
+                        </a:solidFill>
+                        <a:latin typeface="Calibri" panose="020F0502020204030204" pitchFamily="34" charset="0"/>
+                        <a:ea typeface="Calibri" panose="020F0502020204030204" pitchFamily="34" charset="0"/>
+                        <a:cs typeface="Calibri" panose="020F0502020204030204" pitchFamily="34" charset="0"/>
+                      </a:endParaRPr>
+                    </a:p>
                     <a:p>
                       <a:endParaRPr lang="en-US" dirty="0"/>
                     </a:p>
@@ -6828,6 +6905,28 @@
                   <a:txBody>
                     <a:bodyPr/>
                     <a:lstStyle/>
+                    <a:p>
+                      <a:pPr algn="ctr"/>
+                      <a:r>
+                        <a:rPr lang="en-US" sz="4000" b="1" dirty="0">
+                          <a:solidFill>
+                            <a:schemeClr val="bg1"/>
+                          </a:solidFill>
+                          <a:latin typeface="Calibri" panose="020F0502020204030204" pitchFamily="34" charset="0"/>
+                          <a:ea typeface="Calibri" panose="020F0502020204030204" pitchFamily="34" charset="0"/>
+                          <a:cs typeface="Calibri" panose="020F0502020204030204" pitchFamily="34" charset="0"/>
+                        </a:rPr>
+                        <a:t>Support Vector Machine</a:t>
+                      </a:r>
+                      <a:endParaRPr lang="en-US" sz="4000" b="0" dirty="0">
+                        <a:solidFill>
+                          <a:schemeClr val="bg1"/>
+                        </a:solidFill>
+                        <a:latin typeface="Calibri" panose="020F0502020204030204" pitchFamily="34" charset="0"/>
+                        <a:ea typeface="Calibri" panose="020F0502020204030204" pitchFamily="34" charset="0"/>
+                        <a:cs typeface="Calibri" panose="020F0502020204030204" pitchFamily="34" charset="0"/>
+                      </a:endParaRPr>
+                    </a:p>
                     <a:p>
                       <a:endParaRPr lang="en-US" dirty="0"/>
                     </a:p>
@@ -6842,11 +6941,22 @@
                   </a:ext>
                 </a:extLst>
               </a:tr>
-              <a:tr h="3350830">
+              <a:tr h="3785270">
                 <a:tc>
                   <a:txBody>
                     <a:bodyPr/>
                     <a:lstStyle/>
+                    <a:p>
+                      <a:pPr algn="ctr"/>
+                      <a:endParaRPr lang="en-US" sz="4000" b="1" dirty="0">
+                        <a:solidFill>
+                          <a:schemeClr val="bg1"/>
+                        </a:solidFill>
+                        <a:latin typeface="Calibri" panose="020F0502020204030204" pitchFamily="34" charset="0"/>
+                        <a:ea typeface="Calibri" panose="020F0502020204030204" pitchFamily="34" charset="0"/>
+                        <a:cs typeface="Calibri" panose="020F0502020204030204" pitchFamily="34" charset="0"/>
+                      </a:endParaRPr>
+                    </a:p>
                     <a:p>
                       <a:pPr algn="ctr"/>
                       <a:r>
@@ -6946,7 +7056,7 @@
                     <a:p>
                       <a:pPr algn="ctr"/>
                       <a:r>
-                        <a:rPr lang="en-US" sz="6000" b="1" dirty="0">
+                        <a:rPr lang="en-US" sz="6000" b="1" i="1" dirty="0">
                           <a:solidFill>
                             <a:schemeClr val="bg1"/>
                           </a:solidFill>
@@ -6956,7 +7066,7 @@
                         </a:rPr>
                         <a:t>Regression</a:t>
                       </a:r>
-                      <a:endParaRPr lang="en-US" sz="4000" b="1" dirty="0">
+                      <a:endParaRPr lang="en-US" sz="4000" b="1" i="1" dirty="0">
                         <a:solidFill>
                           <a:schemeClr val="bg1"/>
                         </a:solidFill>
@@ -6976,7 +7086,7 @@
                   </a:ext>
                 </a:extLst>
               </a:tr>
-              <a:tr h="7333499">
+              <a:tr h="8284297">
                 <a:tc>
                   <a:txBody>
                     <a:bodyPr/>
@@ -7277,7 +7387,7 @@
         </p:blipFill>
         <p:spPr>
           <a:xfrm>
-            <a:off x="9225101" y="15768454"/>
+            <a:off x="9266190" y="16008040"/>
             <a:ext cx="7142546" cy="4408712"/>
           </a:xfrm>
           <a:prstGeom prst="rect">
@@ -7307,7 +7417,7 @@
         </p:blipFill>
         <p:spPr>
           <a:xfrm>
-            <a:off x="16779127" y="15768454"/>
+            <a:off x="16697181" y="16008040"/>
             <a:ext cx="7142546" cy="4408712"/>
           </a:xfrm>
           <a:prstGeom prst="rect">
@@ -7337,7 +7447,7 @@
         </p:blipFill>
         <p:spPr>
           <a:xfrm>
-            <a:off x="27671882" y="16258309"/>
+            <a:off x="30137991" y="19508978"/>
             <a:ext cx="1132223" cy="1141818"/>
           </a:xfrm>
           <a:prstGeom prst="rect">

--- a/C-T-SML Project Poster.pptx
+++ b/C-T-SML Project Poster.pptx
@@ -321,7 +321,7 @@
             <a:fld id="{1E44E51C-57D0-6B4C-9C03-A3E12CE0FF75}" type="datetime1">
               <a:rPr lang="en-US" altLang="en-US"/>
               <a:pPr/>
-              <a:t>4/26/23</a:t>
+              <a:t>4/27/23</a:t>
             </a:fld>
             <a:endParaRPr lang="en-US" altLang="en-US"/>
           </a:p>
@@ -5012,7 +5012,7 @@
                     <a:latin typeface="Calibri" panose="020F0502020204030204" pitchFamily="34" charset="0"/>
                     <a:cs typeface="Calibri" panose="020F0502020204030204" pitchFamily="34" charset="0"/>
                   </a:rPr>
-                  <a:t>What factors affect a vehicle’s real-world carbon dioxide emissions? Can we classify the type of vehicle based on its emissions, fuel efficiency, engine characteristics, and other factors? </a:t>
+                  <a:t>What factors affect a vehicle’s real-world carbon dioxide emissions? Can we classify level of emissions based on vehicle type, fuel efficiency, engine characteristics, and other factors? </a:t>
                 </a:r>
               </a:p>
               <a:p>
@@ -5265,7 +5265,7 @@
                     <a:latin typeface="Calibri" panose="020F0502020204030204" pitchFamily="34" charset="0"/>
                     <a:cs typeface="Calibri" panose="020F0502020204030204" pitchFamily="34" charset="0"/>
                   </a:rPr>
-                  <a:t>For classification to predict emission levels and vehicle type, we tested KNN and Support Vector Machine.</a:t>
+                  <a:t>For classification to predict emission levels, we tested KNN,  Support Vector Machine, and Random Forest. </a:t>
                 </a:r>
               </a:p>
               <a:p>
@@ -5512,14 +5512,14 @@
               </a:ln>
               <a:extLst>
                 <a:ext uri="{909E8E84-426E-40dd-AFC4-6F175D3DCCD1}">
-                  <a14:hiddenFill xmlns="" xmlns:a14="http://schemas.microsoft.com/office/drawing/2010/main">
+                  <a14:hiddenFill xmlns:a14="http://schemas.microsoft.com/office/drawing/2010/main" xmlns="">
                     <a:solidFill>
                       <a:srgbClr val="FFFFFF"/>
                     </a:solidFill>
                   </a14:hiddenFill>
                 </a:ext>
                 <a:ext uri="{91240B29-F687-4f45-9708-019B960494DF}">
-                  <a14:hiddenLine xmlns="" xmlns:a14="http://schemas.microsoft.com/office/drawing/2010/main" w="9525">
+                  <a14:hiddenLine xmlns:a14="http://schemas.microsoft.com/office/drawing/2010/main" xmlns="" w="9525">
                     <a:solidFill>
                       <a:srgbClr val="000000"/>
                     </a:solidFill>
@@ -5553,7 +5553,7 @@
                     <a:ea typeface="ＭＳ Ｐゴシック" charset="0"/>
                     <a:cs typeface="Calibri" panose="020F0502020204030204" pitchFamily="34" charset="0"/>
                   </a:rPr>
-                  <a:t>Predicting Automobile Emissions, Vehicle Type, and Regulatory Class with Machine Learning</a:t>
+                  <a:t>Predicting Automobile Emission Levels and Regulatory Class with Machine Learning</a:t>
                 </a:r>
               </a:p>
             </p:txBody>
@@ -6789,14 +6789,14 @@
           <p:nvPr>
             <p:extLst>
               <p:ext uri="{D42A27DB-BD31-4B8C-83A1-F6EECF244321}">
-                <p14:modId xmlns:p14="http://schemas.microsoft.com/office/powerpoint/2010/main" val="1407248206"/>
+                <p14:modId xmlns:p14="http://schemas.microsoft.com/office/powerpoint/2010/main" val="3547712150"/>
               </p:ext>
             </p:extLst>
           </p:nvPr>
         </p:nvGraphicFramePr>
         <p:xfrm>
           <a:off x="8961120" y="786531"/>
-          <a:ext cx="15110460" cy="21008927"/>
+          <a:ext cx="15110460" cy="20018375"/>
         </p:xfrm>
         <a:graphic>
           <a:graphicData uri="http://schemas.openxmlformats.org/drawingml/2006/table">
@@ -6820,7 +6820,7 @@
                   </a:extLst>
                 </a:gridCol>
               </a:tblGrid>
-              <a:tr h="2836385">
+              <a:tr h="5217062">
                 <a:tc>
                   <a:txBody>
                     <a:bodyPr/>
@@ -6853,6 +6853,26 @@
                     <a:bodyPr/>
                     <a:lstStyle/>
                     <a:p>
+                      <a:pPr algn="ctr"/>
+                      <a:r>
+                        <a:rPr lang="en-US" sz="4000" dirty="0">
+                          <a:latin typeface="Calibri" panose="020F0502020204030204" pitchFamily="34" charset="0"/>
+                          <a:cs typeface="Calibri" panose="020F0502020204030204" pitchFamily="34" charset="0"/>
+                        </a:rPr>
+                        <a:t>Support Vector Machine</a:t>
+                      </a:r>
+                    </a:p>
+                    <a:p>
+                      <a:pPr algn="ctr"/>
+                      <a:r>
+                        <a:rPr lang="en-US" sz="3200" dirty="0">
+                          <a:latin typeface="Calibri" panose="020F0502020204030204" pitchFamily="34" charset="0"/>
+                          <a:cs typeface="Calibri" panose="020F0502020204030204" pitchFamily="34" charset="0"/>
+                        </a:rPr>
+                        <a:t>Linear, Classification Error: 3.78%</a:t>
+                      </a:r>
+                    </a:p>
+                    <a:p>
                       <a:endParaRPr lang="en-US" dirty="0"/>
                     </a:p>
                   </a:txBody>
@@ -6866,7 +6886,7 @@
                   </a:ext>
                 </a:extLst>
               </a:tr>
-              <a:tr h="6102975">
+              <a:tr h="5931711">
                 <a:tc>
                   <a:txBody>
                     <a:bodyPr/>
@@ -6884,14 +6904,40 @@
                         </a:rPr>
                         <a:t>KNN</a:t>
                       </a:r>
-                      <a:endParaRPr lang="en-US" sz="4000" b="0" dirty="0">
-                        <a:solidFill>
-                          <a:schemeClr val="bg1"/>
-                        </a:solidFill>
-                        <a:latin typeface="Calibri" panose="020F0502020204030204" pitchFamily="34" charset="0"/>
-                        <a:ea typeface="Calibri" panose="020F0502020204030204" pitchFamily="34" charset="0"/>
-                        <a:cs typeface="Calibri" panose="020F0502020204030204" pitchFamily="34" charset="0"/>
-                      </a:endParaRPr>
+                    </a:p>
+                    <a:p>
+                      <a:pPr marL="571500" indent="-571500" algn="l">
+                        <a:buFont typeface="Arial" panose="020B0604020202020204" pitchFamily="34" charset="0"/>
+                        <a:buChar char="•"/>
+                      </a:pPr>
+                      <a:r>
+                        <a:rPr lang="en-US" sz="3200" b="1" dirty="0">
+                          <a:solidFill>
+                            <a:schemeClr val="bg1"/>
+                          </a:solidFill>
+                          <a:latin typeface="Calibri" panose="020F0502020204030204" pitchFamily="34" charset="0"/>
+                          <a:ea typeface="Calibri" panose="020F0502020204030204" pitchFamily="34" charset="0"/>
+                          <a:cs typeface="Calibri" panose="020F0502020204030204" pitchFamily="34" charset="0"/>
+                        </a:rPr>
+                        <a:t>Best K = 1 neighbor</a:t>
+                      </a:r>
+                    </a:p>
+                    <a:p>
+                      <a:pPr marL="571500" indent="-571500" algn="l">
+                        <a:buFont typeface="Arial" panose="020B0604020202020204" pitchFamily="34" charset="0"/>
+                        <a:buChar char="•"/>
+                      </a:pPr>
+                      <a:r>
+                        <a:rPr lang="en-US" sz="3200" b="1" dirty="0">
+                          <a:solidFill>
+                            <a:schemeClr val="bg1"/>
+                          </a:solidFill>
+                          <a:latin typeface="Calibri" panose="020F0502020204030204" pitchFamily="34" charset="0"/>
+                          <a:ea typeface="Calibri" panose="020F0502020204030204" pitchFamily="34" charset="0"/>
+                          <a:cs typeface="Calibri" panose="020F0502020204030204" pitchFamily="34" charset="0"/>
+                        </a:rPr>
+                        <a:t>Classification Error: 22.25%</a:t>
+                      </a:r>
                     </a:p>
                     <a:p>
                       <a:endParaRPr lang="en-US" dirty="0"/>
@@ -6916,9 +6962,26 @@
                           <a:ea typeface="Calibri" panose="020F0502020204030204" pitchFamily="34" charset="0"/>
                           <a:cs typeface="Calibri" panose="020F0502020204030204" pitchFamily="34" charset="0"/>
                         </a:rPr>
-                        <a:t>Support Vector Machine</a:t>
+                        <a:t>Random Forest</a:t>
                       </a:r>
-                      <a:endParaRPr lang="en-US" sz="4000" b="0" dirty="0">
+                    </a:p>
+                    <a:p>
+                      <a:pPr algn="l"/>
+                      <a:endParaRPr lang="en-US" sz="3200" b="1" dirty="0">
+                        <a:solidFill>
+                          <a:schemeClr val="bg1"/>
+                        </a:solidFill>
+                        <a:latin typeface="Calibri" panose="020F0502020204030204" pitchFamily="34" charset="0"/>
+                        <a:ea typeface="Calibri" panose="020F0502020204030204" pitchFamily="34" charset="0"/>
+                        <a:cs typeface="Calibri" panose="020F0502020204030204" pitchFamily="34" charset="0"/>
+                      </a:endParaRPr>
+                    </a:p>
+                    <a:p>
+                      <a:pPr marL="571500" indent="-571500" algn="l">
+                        <a:buFont typeface="Arial" panose="020B0604020202020204" pitchFamily="34" charset="0"/>
+                        <a:buChar char="•"/>
+                      </a:pPr>
+                      <a:endParaRPr lang="en-US" sz="3200" b="0" dirty="0">
                         <a:solidFill>
                           <a:schemeClr val="bg1"/>
                         </a:solidFill>
@@ -6941,22 +7004,11 @@
                   </a:ext>
                 </a:extLst>
               </a:tr>
-              <a:tr h="3785270">
+              <a:tr h="2029862">
                 <a:tc>
                   <a:txBody>
                     <a:bodyPr/>
                     <a:lstStyle/>
-                    <a:p>
-                      <a:pPr algn="ctr"/>
-                      <a:endParaRPr lang="en-US" sz="4000" b="1" dirty="0">
-                        <a:solidFill>
-                          <a:schemeClr val="bg1"/>
-                        </a:solidFill>
-                        <a:latin typeface="Calibri" panose="020F0502020204030204" pitchFamily="34" charset="0"/>
-                        <a:ea typeface="Calibri" panose="020F0502020204030204" pitchFamily="34" charset="0"/>
-                        <a:cs typeface="Calibri" panose="020F0502020204030204" pitchFamily="34" charset="0"/>
-                      </a:endParaRPr>
-                    </a:p>
                     <a:p>
                       <a:pPr algn="ctr"/>
                       <a:r>
@@ -6985,7 +7037,7 @@
                         <a:buChar char="•"/>
                       </a:pPr>
                       <a:r>
-                        <a:rPr lang="en-US" sz="4000" b="1" dirty="0">
+                        <a:rPr lang="en-US" sz="2800" b="1" dirty="0">
                           <a:solidFill>
                             <a:schemeClr val="bg1"/>
                           </a:solidFill>
@@ -7002,7 +7054,7 @@
                         <a:buChar char="•"/>
                       </a:pPr>
                       <a:r>
-                        <a:rPr lang="en-US" sz="4000" b="1" dirty="0">
+                        <a:rPr lang="en-US" sz="2800" b="1" dirty="0">
                           <a:solidFill>
                             <a:schemeClr val="bg1"/>
                           </a:solidFill>
@@ -7019,7 +7071,7 @@
                         <a:buChar char="•"/>
                       </a:pPr>
                       <a:r>
-                        <a:rPr lang="en-US" sz="4000" b="1" dirty="0">
+                        <a:rPr lang="en-US" sz="2800" b="1" dirty="0">
                           <a:solidFill>
                             <a:schemeClr val="bg1"/>
                           </a:solidFill>
@@ -7039,13 +7091,6 @@
                   <a:txBody>
                     <a:bodyPr/>
                     <a:lstStyle/>
-                    <a:p>
-                      <a:endParaRPr lang="en-US" sz="4000" dirty="0">
-                        <a:latin typeface="Calibri" panose="020F0502020204030204" pitchFamily="34" charset="0"/>
-                        <a:ea typeface="Calibri" panose="020F0502020204030204" pitchFamily="34" charset="0"/>
-                        <a:cs typeface="Calibri" panose="020F0502020204030204" pitchFamily="34" charset="0"/>
-                      </a:endParaRPr>
-                    </a:p>
                     <a:p>
                       <a:endParaRPr lang="en-US" sz="4000" dirty="0">
                         <a:latin typeface="Calibri" panose="020F0502020204030204" pitchFamily="34" charset="0"/>
@@ -7086,7 +7131,7 @@
                   </a:ext>
                 </a:extLst>
               </a:tr>
-              <a:tr h="8284297">
+              <a:tr h="6839740">
                 <a:tc>
                   <a:txBody>
                     <a:bodyPr/>
@@ -7160,7 +7205,7 @@
                         <a:defRPr/>
                       </a:pPr>
                       <a:r>
-                        <a:rPr kumimoji="0" lang="en-US" sz="4000" b="1" i="0" u="none" strike="noStrike" kern="1200" cap="none" spc="0" normalizeH="0" baseline="0" noProof="0">
+                        <a:rPr kumimoji="0" lang="en-US" sz="3200" b="1" i="0" u="none" strike="noStrike" kern="1200" cap="none" spc="0" normalizeH="0" baseline="0" noProof="0" dirty="0">
                           <a:ln>
                             <a:noFill/>
                           </a:ln>
@@ -7174,24 +7219,7 @@
                           <a:ea typeface="Calibri" panose="020F0502020204030204" pitchFamily="34" charset="0"/>
                           <a:cs typeface="Calibri" panose="020F0502020204030204" pitchFamily="34" charset="0"/>
                         </a:rPr>
-                        <a:t>73 </a:t>
-                      </a:r>
-                      <a:r>
-                        <a:rPr kumimoji="0" lang="en-US" sz="4000" b="1" i="0" u="none" strike="noStrike" kern="1200" cap="none" spc="0" normalizeH="0" baseline="0" noProof="0" dirty="0">
-                          <a:ln>
-                            <a:noFill/>
-                          </a:ln>
-                          <a:solidFill>
-                            <a:srgbClr val="FFFFFF"/>
-                          </a:solidFill>
-                          <a:effectLst/>
-                          <a:uLnTx/>
-                          <a:uFillTx/>
-                          <a:latin typeface="Calibri" panose="020F0502020204030204" pitchFamily="34" charset="0"/>
-                          <a:ea typeface="Calibri" panose="020F0502020204030204" pitchFamily="34" charset="0"/>
-                          <a:cs typeface="Calibri" panose="020F0502020204030204" pitchFamily="34" charset="0"/>
-                        </a:rPr>
-                        <a:t>predictors (1 se)</a:t>
+                        <a:t>73 predictors (1 se)</a:t>
                       </a:r>
                     </a:p>
                     <a:p>
@@ -7213,7 +7241,7 @@
                         <a:defRPr/>
                       </a:pPr>
                       <a:r>
-                        <a:rPr kumimoji="0" lang="en-US" sz="4000" b="1" i="0" u="none" strike="noStrike" kern="1200" cap="none" spc="0" normalizeH="0" baseline="0" noProof="0" dirty="0">
+                        <a:rPr kumimoji="0" lang="en-US" sz="3200" b="1" i="0" u="none" strike="noStrike" kern="1200" cap="none" spc="0" normalizeH="0" baseline="0" noProof="0" dirty="0">
                           <a:ln>
                             <a:noFill/>
                           </a:ln>
@@ -7297,7 +7325,7 @@
                         <a:defRPr/>
                       </a:pPr>
                       <a:r>
-                        <a:rPr kumimoji="0" lang="en-US" sz="4000" b="1" i="0" u="none" strike="noStrike" kern="1200" cap="none" spc="0" normalizeH="0" baseline="0" noProof="0" dirty="0">
+                        <a:rPr kumimoji="0" lang="en-US" sz="3200" b="1" i="0" u="none" strike="noStrike" kern="1200" cap="none" spc="0" normalizeH="0" baseline="0" noProof="0" dirty="0">
                           <a:ln>
                             <a:noFill/>
                           </a:ln>
@@ -7333,7 +7361,7 @@
                         <a:defRPr/>
                       </a:pPr>
                       <a:r>
-                        <a:rPr kumimoji="0" lang="en-US" sz="4000" b="1" i="0" u="none" strike="noStrike" kern="1200" cap="none" spc="0" normalizeH="0" baseline="0" noProof="0" dirty="0">
+                        <a:rPr kumimoji="0" lang="en-US" sz="3200" b="1" i="0" u="none" strike="noStrike" kern="1200" cap="none" spc="0" normalizeH="0" baseline="0" noProof="0" dirty="0">
                           <a:ln>
                             <a:noFill/>
                           </a:ln>
@@ -7387,7 +7415,7 @@
         </p:blipFill>
         <p:spPr>
           <a:xfrm>
-            <a:off x="9266190" y="16008040"/>
+            <a:off x="9194480" y="15983996"/>
             <a:ext cx="7142546" cy="4408712"/>
           </a:xfrm>
           <a:prstGeom prst="rect">
@@ -7417,7 +7445,7 @@
         </p:blipFill>
         <p:spPr>
           <a:xfrm>
-            <a:off x="16697181" y="16008040"/>
+            <a:off x="16841392" y="15983996"/>
             <a:ext cx="7142546" cy="4408712"/>
           </a:xfrm>
           <a:prstGeom prst="rect">
@@ -7449,6 +7477,66 @@
           <a:xfrm>
             <a:off x="30137991" y="19508978"/>
             <a:ext cx="1132223" cy="1141818"/>
+          </a:xfrm>
+          <a:prstGeom prst="rect">
+            <a:avLst/>
+          </a:prstGeom>
+        </p:spPr>
+      </p:pic>
+      <p:pic>
+        <p:nvPicPr>
+          <p:cNvPr id="5" name="Picture 4" descr="Chart, line chart&#10;&#10;Description automatically generated">
+            <a:extLst>
+              <a:ext uri="{FF2B5EF4-FFF2-40B4-BE49-F238E27FC236}">
+                <a16:creationId xmlns:a16="http://schemas.microsoft.com/office/drawing/2014/main" id="{8B881366-6736-3760-49CB-1D012A3CFDA8}"/>
+              </a:ext>
+            </a:extLst>
+          </p:cNvPr>
+          <p:cNvPicPr>
+            <a:picLocks noChangeAspect="1"/>
+          </p:cNvPicPr>
+          <p:nvPr/>
+        </p:nvPicPr>
+        <p:blipFill>
+          <a:blip r:embed="rId8"/>
+          <a:stretch>
+            <a:fillRect/>
+          </a:stretch>
+        </p:blipFill>
+        <p:spPr>
+          <a:xfrm>
+            <a:off x="9408695" y="7815455"/>
+            <a:ext cx="6435038" cy="3932523"/>
+          </a:xfrm>
+          <a:prstGeom prst="rect">
+            <a:avLst/>
+          </a:prstGeom>
+        </p:spPr>
+      </p:pic>
+      <p:pic>
+        <p:nvPicPr>
+          <p:cNvPr id="13" name="Picture 12" descr="Chart, box and whisker chart&#10;&#10;Description automatically generated">
+            <a:extLst>
+              <a:ext uri="{FF2B5EF4-FFF2-40B4-BE49-F238E27FC236}">
+                <a16:creationId xmlns:a16="http://schemas.microsoft.com/office/drawing/2014/main" id="{280B67A6-AFC0-00B2-DF90-374E87602763}"/>
+              </a:ext>
+            </a:extLst>
+          </p:cNvPr>
+          <p:cNvPicPr>
+            <a:picLocks noChangeAspect="1"/>
+          </p:cNvPicPr>
+          <p:nvPr/>
+        </p:nvPicPr>
+        <p:blipFill>
+          <a:blip r:embed="rId9"/>
+          <a:stretch>
+            <a:fillRect/>
+          </a:stretch>
+        </p:blipFill>
+        <p:spPr>
+          <a:xfrm>
+            <a:off x="17399986" y="2064387"/>
+            <a:ext cx="6025358" cy="3434586"/>
           </a:xfrm>
           <a:prstGeom prst="rect">
             <a:avLst/>

--- a/C-T-SML Project Poster.pptx
+++ b/C-T-SML Project Poster.pptx
@@ -321,7 +321,7 @@
             <a:fld id="{1E44E51C-57D0-6B4C-9C03-A3E12CE0FF75}" type="datetime1">
               <a:rPr lang="en-US" altLang="en-US"/>
               <a:pPr/>
-              <a:t>4/27/23</a:t>
+              <a:t>4/27/2023</a:t>
             </a:fld>
             <a:endParaRPr lang="en-US" altLang="en-US"/>
           </a:p>
@@ -4582,9 +4582,9 @@
         <p:grpSpPr>
           <a:xfrm>
             <a:off x="1199892" y="786531"/>
-            <a:ext cx="30391344" cy="20109027"/>
+            <a:ext cx="30391345" cy="20109027"/>
             <a:chOff x="1144860" y="758824"/>
-            <a:chExt cx="30391344" cy="20109027"/>
+            <a:chExt cx="30391345" cy="20109027"/>
           </a:xfrm>
         </p:grpSpPr>
         <p:sp>
@@ -5512,14 +5512,14 @@
               </a:ln>
               <a:extLst>
                 <a:ext uri="{909E8E84-426E-40dd-AFC4-6F175D3DCCD1}">
-                  <a14:hiddenFill xmlns:a14="http://schemas.microsoft.com/office/drawing/2010/main" xmlns="">
+                  <a14:hiddenFill xmlns="" xmlns:a14="http://schemas.microsoft.com/office/drawing/2010/main">
                     <a:solidFill>
                       <a:srgbClr val="FFFFFF"/>
                     </a:solidFill>
                   </a14:hiddenFill>
                 </a:ext>
                 <a:ext uri="{91240B29-F687-4f45-9708-019B960494DF}">
-                  <a14:hiddenLine xmlns:a14="http://schemas.microsoft.com/office/drawing/2010/main" xmlns="" w="9525">
+                  <a14:hiddenLine xmlns="" xmlns:a14="http://schemas.microsoft.com/office/drawing/2010/main" w="9525">
                     <a:solidFill>
                       <a:srgbClr val="000000"/>
                     </a:solidFill>
@@ -5553,7 +5553,28 @@
                     <a:ea typeface="ＭＳ Ｐゴシック" charset="0"/>
                     <a:cs typeface="Calibri" panose="020F0502020204030204" pitchFamily="34" charset="0"/>
                   </a:rPr>
-                  <a:t>Predicting Automobile Emission Levels and Regulatory Class with Machine Learning</a:t>
+                  <a:t>Predicting Automobile Emission Levels with </a:t>
+                </a:r>
+              </a:p>
+              <a:p>
+                <a:pPr algn="ctr">
+                  <a:lnSpc>
+                    <a:spcPct val="90000"/>
+                  </a:lnSpc>
+                  <a:defRPr/>
+                </a:pPr>
+                <a:r>
+                  <a:rPr lang="en-US" sz="4000" b="1" dirty="0">
+                    <a:solidFill>
+                      <a:schemeClr val="tx1">
+                        <a:alpha val="95000"/>
+                      </a:schemeClr>
+                    </a:solidFill>
+                    <a:latin typeface="Calibri" panose="020F0502020204030204" pitchFamily="34" charset="0"/>
+                    <a:ea typeface="ＭＳ Ｐゴシック" charset="0"/>
+                    <a:cs typeface="Calibri" panose="020F0502020204030204" pitchFamily="34" charset="0"/>
+                  </a:rPr>
+                  <a:t>Machine Learning</a:t>
                 </a:r>
               </a:p>
             </p:txBody>
@@ -5793,10 +5814,10 @@
           </p:nvGrpSpPr>
           <p:grpSpPr>
             <a:xfrm>
-              <a:off x="24915047" y="758824"/>
-              <a:ext cx="6621157" cy="20018377"/>
-              <a:chOff x="24915047" y="758824"/>
-              <a:chExt cx="6621157" cy="20018377"/>
+              <a:off x="24557569" y="758824"/>
+              <a:ext cx="6978636" cy="20018377"/>
+              <a:chOff x="24557569" y="758824"/>
+              <a:chExt cx="6978636" cy="20018377"/>
             </a:xfrm>
           </p:grpSpPr>
           <p:sp>
@@ -5815,8 +5836,8 @@
             </p:nvSpPr>
             <p:spPr bwMode="auto">
               <a:xfrm>
-                <a:off x="24917399" y="758824"/>
-                <a:ext cx="6585773" cy="9878237"/>
+                <a:off x="24557569" y="758824"/>
+                <a:ext cx="6978636" cy="10232715"/>
               </a:xfrm>
               <a:prstGeom prst="rect">
                 <a:avLst/>
@@ -5972,7 +5993,7 @@
               <a:p>
                 <a:pPr eaLnBrk="1" hangingPunct="1">
                   <a:spcBef>
-                    <a:spcPct val="50000"/>
+                    <a:spcPts val="800"/>
                   </a:spcBef>
                 </a:pPr>
                 <a:r>
@@ -5989,26 +6010,7 @@
               <a:p>
                 <a:pPr marL="457200" indent="-457200" eaLnBrk="1" hangingPunct="1">
                   <a:spcBef>
-                    <a:spcPct val="50000"/>
-                  </a:spcBef>
-                  <a:buFont typeface="Arial" panose="020B0604020202020204" pitchFamily="34" charset="0"/>
-                  <a:buChar char="•"/>
-                </a:pPr>
-                <a:r>
-                  <a:rPr lang="en-US" altLang="ja-JP" dirty="0">
-                    <a:highlight>
-                      <a:srgbClr val="FFFF00"/>
-                    </a:highlight>
-                    <a:latin typeface="Calibri" panose="020F0502020204030204" pitchFamily="34" charset="0"/>
-                    <a:cs typeface="Calibri" panose="020F0502020204030204" pitchFamily="34" charset="0"/>
-                  </a:rPr>
-                  <a:t>Why is the outcome  interesting. Don’t assume it’s obvious. </a:t>
-                </a:r>
-              </a:p>
-              <a:p>
-                <a:pPr marL="457200" indent="-457200" eaLnBrk="1" hangingPunct="1">
-                  <a:spcBef>
-                    <a:spcPct val="50000"/>
+                    <a:spcPts val="800"/>
                   </a:spcBef>
                   <a:buFont typeface="Arial" panose="020B0604020202020204" pitchFamily="34" charset="0"/>
                   <a:buChar char="•"/>
@@ -6018,27 +6020,29 @@
                     <a:latin typeface="Calibri" panose="020F0502020204030204" pitchFamily="34" charset="0"/>
                     <a:cs typeface="Calibri" panose="020F0502020204030204" pitchFamily="34" charset="0"/>
                   </a:rPr>
-                  <a:t>PLSR results suggest a model using 56 principal components; meanwhile, Lasso suggest a model with 73 predictors using </a:t>
+                  <a:t>For classification, Random Forest performed the best at predicting the quartile of emissions an automobile would be in. </a:t>
                 </a:r>
-                <a:r>
-                  <a:rPr lang="en-US" altLang="ja-JP" sz="2400" dirty="0" err="1">
-                    <a:latin typeface="Calibri" panose="020F0502020204030204" pitchFamily="34" charset="0"/>
-                    <a:cs typeface="Calibri" panose="020F0502020204030204" pitchFamily="34" charset="0"/>
-                  </a:rPr>
-                  <a:t>lambda.se</a:t>
-                </a:r>
+              </a:p>
+              <a:p>
+                <a:pPr marL="457200" indent="-457200" eaLnBrk="1" hangingPunct="1">
+                  <a:spcBef>
+                    <a:spcPts val="800"/>
+                  </a:spcBef>
+                  <a:buFont typeface="Arial" panose="020B0604020202020204" pitchFamily="34" charset="0"/>
+                  <a:buChar char="•"/>
+                </a:pPr>
                 <a:r>
                   <a:rPr lang="en-US" altLang="ja-JP" sz="2400" dirty="0">
                     <a:latin typeface="Calibri" panose="020F0502020204030204" pitchFamily="34" charset="0"/>
                     <a:cs typeface="Calibri" panose="020F0502020204030204" pitchFamily="34" charset="0"/>
                   </a:rPr>
-                  <a:t>. </a:t>
+                  <a:t>PLSR was the best performing classification technique with 56 components and an MSEP of 404.7. </a:t>
                 </a:r>
               </a:p>
               <a:p>
                 <a:pPr marL="457200" indent="-457200" eaLnBrk="1" hangingPunct="1">
                   <a:spcBef>
-                    <a:spcPct val="50000"/>
+                    <a:spcPts val="800"/>
                   </a:spcBef>
                   <a:buFont typeface="Arial" panose="020B0604020202020204" pitchFamily="34" charset="0"/>
                   <a:buChar char="•"/>
@@ -6054,7 +6058,7 @@
               <a:p>
                 <a:pPr marL="457200" indent="-457200" eaLnBrk="1" hangingPunct="1">
                   <a:spcBef>
-                    <a:spcPct val="50000"/>
+                    <a:spcPts val="800"/>
                   </a:spcBef>
                   <a:buFont typeface="Arial" panose="020B0604020202020204" pitchFamily="34" charset="0"/>
                   <a:buChar char="•"/>
@@ -6070,7 +6074,7 @@
               <a:p>
                 <a:pPr marL="457200" indent="-457200" eaLnBrk="1" hangingPunct="1">
                   <a:spcBef>
-                    <a:spcPct val="50000"/>
+                    <a:spcPts val="800"/>
                   </a:spcBef>
                   <a:buFont typeface="Arial" panose="020B0604020202020204" pitchFamily="34" charset="0"/>
                   <a:buChar char="•"/>
@@ -6086,7 +6090,23 @@
               <a:p>
                 <a:pPr marL="457200" indent="-457200" eaLnBrk="1" hangingPunct="1">
                   <a:spcBef>
-                    <a:spcPct val="50000"/>
+                    <a:spcPts val="800"/>
+                  </a:spcBef>
+                  <a:buFont typeface="Arial" panose="020B0604020202020204" pitchFamily="34" charset="0"/>
+                  <a:buChar char="•"/>
+                </a:pPr>
+                <a:r>
+                  <a:rPr lang="en-US" altLang="en-US" sz="2400" dirty="0">
+                    <a:latin typeface="Calibri" panose="020F0502020204030204" pitchFamily="34" charset="0"/>
+                    <a:cs typeface="Calibri" panose="020F0502020204030204" pitchFamily="34" charset="0"/>
+                  </a:rPr>
+                  <a:t>These models can’t predict emissions for a particular automobile model, and there could be consequences if regulators tried to apply these models to predict emissions of new automobiles. </a:t>
+                </a:r>
+              </a:p>
+              <a:p>
+                <a:pPr marL="457200" indent="-457200" eaLnBrk="1" hangingPunct="1">
+                  <a:spcBef>
+                    <a:spcPts val="800"/>
                   </a:spcBef>
                   <a:buFont typeface="Arial" panose="020B0604020202020204" pitchFamily="34" charset="0"/>
                   <a:buChar char="•"/>
@@ -6099,7 +6119,7 @@
               <a:p>
                 <a:pPr marL="457200" indent="-457200" eaLnBrk="1" hangingPunct="1">
                   <a:spcBef>
-                    <a:spcPct val="50000"/>
+                    <a:spcPts val="800"/>
                   </a:spcBef>
                   <a:buFont typeface="Arial" panose="020B0604020202020204" pitchFamily="34" charset="0"/>
                   <a:buChar char="•"/>
@@ -6112,7 +6132,7 @@
               <a:p>
                 <a:pPr eaLnBrk="1" hangingPunct="1">
                   <a:spcBef>
-                    <a:spcPct val="50000"/>
+                    <a:spcPts val="800"/>
                   </a:spcBef>
                 </a:pPr>
                 <a:endParaRPr lang="en-US" altLang="ja-JP" sz="2000" dirty="0">
@@ -6138,8 +6158,8 @@
             </p:nvSpPr>
             <p:spPr bwMode="auto">
               <a:xfrm>
-                <a:off x="24915047" y="16662848"/>
-                <a:ext cx="6588125" cy="1278912"/>
+                <a:off x="24557569" y="16662848"/>
+                <a:ext cx="6945603" cy="1278912"/>
               </a:xfrm>
               <a:prstGeom prst="rect">
                 <a:avLst/>
@@ -6340,8 +6360,8 @@
             </p:nvSpPr>
             <p:spPr bwMode="auto">
               <a:xfrm>
-                <a:off x="24948079" y="11227428"/>
-                <a:ext cx="6588125" cy="5199531"/>
+                <a:off x="24557569" y="11227428"/>
+                <a:ext cx="6978636" cy="5199531"/>
               </a:xfrm>
               <a:prstGeom prst="rect">
                 <a:avLst/>
@@ -6592,8 +6612,8 @@
             </p:nvSpPr>
             <p:spPr bwMode="auto">
               <a:xfrm>
-                <a:off x="24917399" y="18338801"/>
-                <a:ext cx="6585773" cy="2438400"/>
+                <a:off x="24557569" y="18338801"/>
+                <a:ext cx="6945603" cy="2438400"/>
               </a:xfrm>
               <a:prstGeom prst="rect">
                 <a:avLst/>
@@ -6789,7 +6809,7 @@
           <p:nvPr>
             <p:extLst>
               <p:ext uri="{D42A27DB-BD31-4B8C-83A1-F6EECF244321}">
-                <p14:modId xmlns:p14="http://schemas.microsoft.com/office/powerpoint/2010/main" val="3547712150"/>
+                <p14:modId xmlns:p14="http://schemas.microsoft.com/office/powerpoint/2010/main" val="3724392234"/>
               </p:ext>
             </p:extLst>
           </p:nvPr>
@@ -6834,6 +6854,14 @@
                     </a:p>
                     <a:p>
                       <a:pPr algn="ctr"/>
+                      <a:endParaRPr lang="en-US" sz="6000" i="1" dirty="0">
+                        <a:latin typeface="Calibri" panose="020F0502020204030204" pitchFamily="34" charset="0"/>
+                        <a:ea typeface="Calibri" panose="020F0502020204030204" pitchFamily="34" charset="0"/>
+                        <a:cs typeface="Calibri" panose="020F0502020204030204" pitchFamily="34" charset="0"/>
+                      </a:endParaRPr>
+                    </a:p>
+                    <a:p>
+                      <a:pPr algn="ctr"/>
                       <a:r>
                         <a:rPr lang="en-US" sz="6000" i="1" dirty="0">
                           <a:latin typeface="Calibri" panose="020F0502020204030204" pitchFamily="34" charset="0"/>
@@ -6863,7 +6891,10 @@
                       </a:r>
                     </a:p>
                     <a:p>
-                      <a:pPr algn="ctr"/>
+                      <a:pPr marL="751134" lvl="1" indent="-457200" algn="l">
+                        <a:buFont typeface="Arial" panose="020B0604020202020204" pitchFamily="34" charset="0"/>
+                        <a:buChar char="•"/>
+                      </a:pPr>
                       <a:r>
                         <a:rPr lang="en-US" sz="3200" dirty="0">
                           <a:latin typeface="Calibri" panose="020F0502020204030204" pitchFamily="34" charset="0"/>
@@ -6906,7 +6937,7 @@
                       </a:r>
                     </a:p>
                     <a:p>
-                      <a:pPr marL="571500" indent="-571500" algn="l">
+                      <a:pPr marL="865434" lvl="1" indent="-571500" algn="l">
                         <a:buFont typeface="Arial" panose="020B0604020202020204" pitchFamily="34" charset="0"/>
                         <a:buChar char="•"/>
                       </a:pPr>
@@ -6923,7 +6954,7 @@
                       </a:r>
                     </a:p>
                     <a:p>
-                      <a:pPr marL="571500" indent="-571500" algn="l">
+                      <a:pPr marL="865434" lvl="1" indent="-571500" algn="l">
                         <a:buFont typeface="Arial" panose="020B0604020202020204" pitchFamily="34" charset="0"/>
                         <a:buChar char="•"/>
                       </a:pPr>
@@ -6966,7 +6997,44 @@
                       </a:r>
                     </a:p>
                     <a:p>
-                      <a:pPr algn="l"/>
+                      <a:pPr marL="751134" lvl="1" indent="-457200" algn="l">
+                        <a:buFont typeface="Arial" panose="020B0604020202020204" pitchFamily="34" charset="0"/>
+                        <a:buChar char="•"/>
+                      </a:pPr>
+                      <a:r>
+                        <a:rPr lang="en-US" sz="3200" b="1" dirty="0">
+                          <a:solidFill>
+                            <a:schemeClr val="bg1"/>
+                          </a:solidFill>
+                          <a:latin typeface="Calibri" panose="020F0502020204030204" pitchFamily="34" charset="0"/>
+                          <a:ea typeface="Calibri" panose="020F0502020204030204" pitchFamily="34" charset="0"/>
+                          <a:cs typeface="Calibri" panose="020F0502020204030204" pitchFamily="34" charset="0"/>
+                        </a:rPr>
+                        <a:t>Best m = 64 (300 trees)</a:t>
+                      </a:r>
+                    </a:p>
+                    <a:p>
+                      <a:pPr marL="751134" lvl="1" indent="-457200" algn="l">
+                        <a:buFont typeface="Arial" panose="020B0604020202020204" pitchFamily="34" charset="0"/>
+                        <a:buChar char="•"/>
+                      </a:pPr>
+                      <a:r>
+                        <a:rPr lang="en-US" sz="3200" b="1" dirty="0">
+                          <a:solidFill>
+                            <a:schemeClr val="bg1"/>
+                          </a:solidFill>
+                          <a:latin typeface="Calibri" panose="020F0502020204030204" pitchFamily="34" charset="0"/>
+                          <a:ea typeface="Calibri" panose="020F0502020204030204" pitchFamily="34" charset="0"/>
+                          <a:cs typeface="Calibri" panose="020F0502020204030204" pitchFamily="34" charset="0"/>
+                        </a:rPr>
+                        <a:t>Classification Error: 0.82%</a:t>
+                      </a:r>
+                    </a:p>
+                    <a:p>
+                      <a:pPr marL="751134" lvl="1" indent="-457200" algn="l">
+                        <a:buFont typeface="Arial" panose="020B0604020202020204" pitchFamily="34" charset="0"/>
+                        <a:buChar char="•"/>
+                      </a:pPr>
                       <a:endParaRPr lang="en-US" sz="3200" b="1" dirty="0">
                         <a:solidFill>
                           <a:schemeClr val="bg1"/>
@@ -7537,6 +7605,36 @@
           <a:xfrm>
             <a:off x="17399986" y="2064387"/>
             <a:ext cx="6025358" cy="3434586"/>
+          </a:xfrm>
+          <a:prstGeom prst="rect">
+            <a:avLst/>
+          </a:prstGeom>
+        </p:spPr>
+      </p:pic>
+      <p:pic>
+        <p:nvPicPr>
+          <p:cNvPr id="9" name="Picture 8" descr="Chart&#10;&#10;Description automatically generated">
+            <a:extLst>
+              <a:ext uri="{FF2B5EF4-FFF2-40B4-BE49-F238E27FC236}">
+                <a16:creationId xmlns:a16="http://schemas.microsoft.com/office/drawing/2014/main" id="{62EB670C-82E9-C1D6-5192-1341FA21BC36}"/>
+              </a:ext>
+            </a:extLst>
+          </p:cNvPr>
+          <p:cNvPicPr>
+            <a:picLocks noChangeAspect="1"/>
+          </p:cNvPicPr>
+          <p:nvPr/>
+        </p:nvPicPr>
+        <p:blipFill>
+          <a:blip r:embed="rId10"/>
+          <a:stretch>
+            <a:fillRect/>
+          </a:stretch>
+        </p:blipFill>
+        <p:spPr>
+          <a:xfrm>
+            <a:off x="17042012" y="7815455"/>
+            <a:ext cx="6667500" cy="3932523"/>
           </a:xfrm>
           <a:prstGeom prst="rect">
             <a:avLst/>

--- a/C-T-SML Project Poster.pptx
+++ b/C-T-SML Project Poster.pptx
@@ -321,7 +321,7 @@
             <a:fld id="{1E44E51C-57D0-6B4C-9C03-A3E12CE0FF75}" type="datetime1">
               <a:rPr lang="en-US" altLang="en-US"/>
               <a:pPr/>
-              <a:t>4/27/2023</a:t>
+              <a:t>4/27/23</a:t>
             </a:fld>
             <a:endParaRPr lang="en-US" altLang="en-US"/>
           </a:p>
@@ -5512,14 +5512,14 @@
               </a:ln>
               <a:extLst>
                 <a:ext uri="{909E8E84-426E-40dd-AFC4-6F175D3DCCD1}">
-                  <a14:hiddenFill xmlns="" xmlns:a14="http://schemas.microsoft.com/office/drawing/2010/main">
+                  <a14:hiddenFill xmlns:a14="http://schemas.microsoft.com/office/drawing/2010/main" xmlns="">
                     <a:solidFill>
                       <a:srgbClr val="FFFFFF"/>
                     </a:solidFill>
                   </a14:hiddenFill>
                 </a:ext>
                 <a:ext uri="{91240B29-F687-4f45-9708-019B960494DF}">
-                  <a14:hiddenLine xmlns="" xmlns:a14="http://schemas.microsoft.com/office/drawing/2010/main" w="9525">
+                  <a14:hiddenLine xmlns:a14="http://schemas.microsoft.com/office/drawing/2010/main" xmlns="" w="9525">
                     <a:solidFill>
                       <a:srgbClr val="000000"/>
                     </a:solidFill>
@@ -5837,7 +5837,7 @@
             <p:spPr bwMode="auto">
               <a:xfrm>
                 <a:off x="24557569" y="758824"/>
-                <a:ext cx="6978636" cy="10232715"/>
+                <a:ext cx="6978636" cy="10400440"/>
               </a:xfrm>
               <a:prstGeom prst="rect">
                 <a:avLst/>
@@ -6036,7 +6036,21 @@
                     <a:latin typeface="Calibri" panose="020F0502020204030204" pitchFamily="34" charset="0"/>
                     <a:cs typeface="Calibri" panose="020F0502020204030204" pitchFamily="34" charset="0"/>
                   </a:rPr>
-                  <a:t>PLSR was the best performing classification technique with 56 components and an MSEP of 404.7. </a:t>
+                  <a:t>PLSR was the best </a:t>
+                </a:r>
+                <a:r>
+                  <a:rPr lang="en-US" altLang="ja-JP" sz="2400">
+                    <a:latin typeface="Calibri" panose="020F0502020204030204" pitchFamily="34" charset="0"/>
+                    <a:cs typeface="Calibri" panose="020F0502020204030204" pitchFamily="34" charset="0"/>
+                  </a:rPr>
+                  <a:t>performing regression technique </a:t>
+                </a:r>
+                <a:r>
+                  <a:rPr lang="en-US" altLang="ja-JP" sz="2400" dirty="0">
+                    <a:latin typeface="Calibri" panose="020F0502020204030204" pitchFamily="34" charset="0"/>
+                    <a:cs typeface="Calibri" panose="020F0502020204030204" pitchFamily="34" charset="0"/>
+                  </a:rPr>
+                  <a:t>with 56 components and an MSEP of 404.7. </a:t>
                 </a:r>
               </a:p>
               <a:p>
@@ -6360,8 +6374,8 @@
             </p:nvSpPr>
             <p:spPr bwMode="auto">
               <a:xfrm>
-                <a:off x="24557569" y="11227428"/>
-                <a:ext cx="6978636" cy="5199531"/>
+                <a:off x="24557569" y="11536946"/>
+                <a:ext cx="6978636" cy="4728861"/>
               </a:xfrm>
               <a:prstGeom prst="rect">
                 <a:avLst/>
